--- a/平安的路.pptx
+++ b/平安的路.pptx
@@ -9,7 +9,7 @@
     <p:sldId id="257" r:id="rId3"/>
     <p:sldId id="258" r:id="rId4"/>
   </p:sldIdLst>
-  <p:sldSz cx="9144000" cy="6858000" type="screen4x3"/>
+  <p:sldSz cx="12192000" cy="6858000"/>
   <p:notesSz cx="6858000" cy="9144000"/>
   <p:defaultTextStyle>
     <a:defPPr>
@@ -106,6 +106,22 @@
       </a:defRPr>
     </a:lvl9pPr>
   </p:defaultTextStyle>
+  <p:extLst>
+    <p:ext uri="{EFAFB233-063F-42B5-8137-9DF3F51BA10A}">
+      <p15:sldGuideLst xmlns:p15="http://schemas.microsoft.com/office/powerpoint/2012/main">
+        <p15:guide id="1" orient="horz" pos="2160" userDrawn="1">
+          <p15:clr>
+            <a:srgbClr val="A4A3A4"/>
+          </p15:clr>
+        </p15:guide>
+        <p15:guide id="2" pos="3840" userDrawn="1">
+          <p15:clr>
+            <a:srgbClr val="A4A3A4"/>
+          </p15:clr>
+        </p15:guide>
+      </p15:sldGuideLst>
+    </p:ext>
+  </p:extLst>
 </p:presentation>
 </file>
 
@@ -138,8 +154,8 @@
         </p:nvSpPr>
         <p:spPr>
           <a:xfrm>
-            <a:off x="685800" y="2130425"/>
-            <a:ext cx="7772400" cy="1470025"/>
+            <a:off x="914400" y="2130426"/>
+            <a:ext cx="10363200" cy="1470025"/>
           </a:xfrm>
         </p:spPr>
         <p:txBody>
@@ -166,8 +182,8 @@
         </p:nvSpPr>
         <p:spPr>
           <a:xfrm>
-            <a:off x="1371600" y="3886200"/>
-            <a:ext cx="6400800" cy="1752600"/>
+            <a:off x="1828800" y="3886200"/>
+            <a:ext cx="8534400" cy="1752600"/>
           </a:xfrm>
         </p:spPr>
         <p:txBody>
@@ -290,7 +306,7 @@
           <a:p>
             <a:fld id="{D9F81CDC-A390-438B-B956-EEB826B6DD00}" type="datetimeFigureOut">
               <a:rPr lang="zh-TW" altLang="en-US" smtClean="0"/>
-              <a:t>2017/10/27</a:t>
+              <a:t>2020/2/6</a:t>
             </a:fld>
             <a:endParaRPr lang="zh-TW" altLang="en-US"/>
           </a:p>
@@ -455,7 +471,7 @@
           <a:p>
             <a:fld id="{D9F81CDC-A390-438B-B956-EEB826B6DD00}" type="datetimeFigureOut">
               <a:rPr lang="zh-TW" altLang="en-US" smtClean="0"/>
-              <a:t>2017/10/27</a:t>
+              <a:t>2020/2/6</a:t>
             </a:fld>
             <a:endParaRPr lang="zh-TW" altLang="en-US"/>
           </a:p>
@@ -540,8 +556,8 @@
         </p:nvSpPr>
         <p:spPr>
           <a:xfrm>
-            <a:off x="6629400" y="274638"/>
-            <a:ext cx="2057400" cy="5851525"/>
+            <a:off x="8839200" y="274639"/>
+            <a:ext cx="2743200" cy="5851525"/>
           </a:xfrm>
         </p:spPr>
         <p:txBody>
@@ -568,8 +584,8 @@
         </p:nvSpPr>
         <p:spPr>
           <a:xfrm>
-            <a:off x="457200" y="274638"/>
-            <a:ext cx="6019800" cy="5851525"/>
+            <a:off x="609600" y="274639"/>
+            <a:ext cx="8026400" cy="5851525"/>
           </a:xfrm>
         </p:spPr>
         <p:txBody>
@@ -630,7 +646,7 @@
           <a:p>
             <a:fld id="{D9F81CDC-A390-438B-B956-EEB826B6DD00}" type="datetimeFigureOut">
               <a:rPr lang="zh-TW" altLang="en-US" smtClean="0"/>
-              <a:t>2017/10/27</a:t>
+              <a:t>2020/2/6</a:t>
             </a:fld>
             <a:endParaRPr lang="zh-TW" altLang="en-US"/>
           </a:p>
@@ -795,7 +811,7 @@
           <a:p>
             <a:fld id="{D9F81CDC-A390-438B-B956-EEB826B6DD00}" type="datetimeFigureOut">
               <a:rPr lang="zh-TW" altLang="en-US" smtClean="0"/>
-              <a:t>2017/10/27</a:t>
+              <a:t>2020/2/6</a:t>
             </a:fld>
             <a:endParaRPr lang="zh-TW" altLang="en-US"/>
           </a:p>
@@ -880,8 +896,8 @@
         </p:nvSpPr>
         <p:spPr>
           <a:xfrm>
-            <a:off x="722313" y="4406900"/>
-            <a:ext cx="7772400" cy="1362075"/>
+            <a:off x="963084" y="4406901"/>
+            <a:ext cx="10363200" cy="1362075"/>
           </a:xfrm>
         </p:spPr>
         <p:txBody>
@@ -912,8 +928,8 @@
         </p:nvSpPr>
         <p:spPr>
           <a:xfrm>
-            <a:off x="722313" y="2906713"/>
-            <a:ext cx="7772400" cy="1500187"/>
+            <a:off x="963084" y="2906713"/>
+            <a:ext cx="10363200" cy="1500187"/>
           </a:xfrm>
         </p:spPr>
         <p:txBody>
@@ -1036,7 +1052,7 @@
           <a:p>
             <a:fld id="{D9F81CDC-A390-438B-B956-EEB826B6DD00}" type="datetimeFigureOut">
               <a:rPr lang="zh-TW" altLang="en-US" smtClean="0"/>
-              <a:t>2017/10/27</a:t>
+              <a:t>2020/2/6</a:t>
             </a:fld>
             <a:endParaRPr lang="zh-TW" altLang="en-US"/>
           </a:p>
@@ -1144,8 +1160,8 @@
         </p:nvSpPr>
         <p:spPr>
           <a:xfrm>
-            <a:off x="457200" y="1600200"/>
-            <a:ext cx="4038600" cy="4525963"/>
+            <a:off x="609600" y="1600201"/>
+            <a:ext cx="5384800" cy="4525963"/>
           </a:xfrm>
         </p:spPr>
         <p:txBody>
@@ -1229,8 +1245,8 @@
         </p:nvSpPr>
         <p:spPr>
           <a:xfrm>
-            <a:off x="4648200" y="1600200"/>
-            <a:ext cx="4038600" cy="4525963"/>
+            <a:off x="6197600" y="1600201"/>
+            <a:ext cx="5384800" cy="4525963"/>
           </a:xfrm>
         </p:spPr>
         <p:txBody>
@@ -1319,7 +1335,7 @@
           <a:p>
             <a:fld id="{D9F81CDC-A390-438B-B956-EEB826B6DD00}" type="datetimeFigureOut">
               <a:rPr lang="zh-TW" altLang="en-US" smtClean="0"/>
-              <a:t>2017/10/27</a:t>
+              <a:t>2020/2/6</a:t>
             </a:fld>
             <a:endParaRPr lang="zh-TW" altLang="en-US"/>
           </a:p>
@@ -1431,8 +1447,8 @@
         </p:nvSpPr>
         <p:spPr>
           <a:xfrm>
-            <a:off x="457200" y="1535113"/>
-            <a:ext cx="4040188" cy="639762"/>
+            <a:off x="609600" y="1535113"/>
+            <a:ext cx="5386917" cy="639762"/>
           </a:xfrm>
         </p:spPr>
         <p:txBody>
@@ -1496,8 +1512,8 @@
         </p:nvSpPr>
         <p:spPr>
           <a:xfrm>
-            <a:off x="457200" y="2174875"/>
-            <a:ext cx="4040188" cy="3951288"/>
+            <a:off x="609600" y="2174875"/>
+            <a:ext cx="5386917" cy="3951288"/>
           </a:xfrm>
         </p:spPr>
         <p:txBody>
@@ -1581,8 +1597,8 @@
         </p:nvSpPr>
         <p:spPr>
           <a:xfrm>
-            <a:off x="4645025" y="1535113"/>
-            <a:ext cx="4041775" cy="639762"/>
+            <a:off x="6193368" y="1535113"/>
+            <a:ext cx="5389033" cy="639762"/>
           </a:xfrm>
         </p:spPr>
         <p:txBody>
@@ -1646,8 +1662,8 @@
         </p:nvSpPr>
         <p:spPr>
           <a:xfrm>
-            <a:off x="4645025" y="2174875"/>
-            <a:ext cx="4041775" cy="3951288"/>
+            <a:off x="6193368" y="2174875"/>
+            <a:ext cx="5389033" cy="3951288"/>
           </a:xfrm>
         </p:spPr>
         <p:txBody>
@@ -1736,7 +1752,7 @@
           <a:p>
             <a:fld id="{D9F81CDC-A390-438B-B956-EEB826B6DD00}" type="datetimeFigureOut">
               <a:rPr lang="zh-TW" altLang="en-US" smtClean="0"/>
-              <a:t>2017/10/27</a:t>
+              <a:t>2020/2/6</a:t>
             </a:fld>
             <a:endParaRPr lang="zh-TW" altLang="en-US"/>
           </a:p>
@@ -1849,7 +1865,7 @@
           <a:p>
             <a:fld id="{D9F81CDC-A390-438B-B956-EEB826B6DD00}" type="datetimeFigureOut">
               <a:rPr lang="zh-TW" altLang="en-US" smtClean="0"/>
-              <a:t>2017/10/27</a:t>
+              <a:t>2020/2/6</a:t>
             </a:fld>
             <a:endParaRPr lang="zh-TW" altLang="en-US"/>
           </a:p>
@@ -1939,7 +1955,7 @@
           <a:p>
             <a:fld id="{D9F81CDC-A390-438B-B956-EEB826B6DD00}" type="datetimeFigureOut">
               <a:rPr lang="zh-TW" altLang="en-US" smtClean="0"/>
-              <a:t>2017/10/27</a:t>
+              <a:t>2020/2/6</a:t>
             </a:fld>
             <a:endParaRPr lang="zh-TW" altLang="en-US"/>
           </a:p>
@@ -2024,8 +2040,8 @@
         </p:nvSpPr>
         <p:spPr>
           <a:xfrm>
-            <a:off x="457200" y="273050"/>
-            <a:ext cx="3008313" cy="1162050"/>
+            <a:off x="609601" y="273050"/>
+            <a:ext cx="4011084" cy="1162050"/>
           </a:xfrm>
         </p:spPr>
         <p:txBody>
@@ -2056,8 +2072,8 @@
         </p:nvSpPr>
         <p:spPr>
           <a:xfrm>
-            <a:off x="3575050" y="273050"/>
-            <a:ext cx="5111750" cy="5853113"/>
+            <a:off x="4766733" y="273051"/>
+            <a:ext cx="6815667" cy="5853113"/>
           </a:xfrm>
         </p:spPr>
         <p:txBody>
@@ -2141,8 +2157,8 @@
         </p:nvSpPr>
         <p:spPr>
           <a:xfrm>
-            <a:off x="457200" y="1435100"/>
-            <a:ext cx="3008313" cy="4691063"/>
+            <a:off x="609601" y="1435101"/>
+            <a:ext cx="4011084" cy="4691063"/>
           </a:xfrm>
         </p:spPr>
         <p:txBody>
@@ -2211,7 +2227,7 @@
           <a:p>
             <a:fld id="{D9F81CDC-A390-438B-B956-EEB826B6DD00}" type="datetimeFigureOut">
               <a:rPr lang="zh-TW" altLang="en-US" smtClean="0"/>
-              <a:t>2017/10/27</a:t>
+              <a:t>2020/2/6</a:t>
             </a:fld>
             <a:endParaRPr lang="zh-TW" altLang="en-US"/>
           </a:p>
@@ -2296,8 +2312,8 @@
         </p:nvSpPr>
         <p:spPr>
           <a:xfrm>
-            <a:off x="1792288" y="4800600"/>
-            <a:ext cx="5486400" cy="566738"/>
+            <a:off x="2389717" y="4800600"/>
+            <a:ext cx="7315200" cy="566738"/>
           </a:xfrm>
         </p:spPr>
         <p:txBody>
@@ -2328,8 +2344,8 @@
         </p:nvSpPr>
         <p:spPr>
           <a:xfrm>
-            <a:off x="1792288" y="612775"/>
-            <a:ext cx="5486400" cy="4114800"/>
+            <a:off x="2389717" y="612775"/>
+            <a:ext cx="7315200" cy="4114800"/>
           </a:xfrm>
         </p:spPr>
         <p:txBody>
@@ -2393,8 +2409,8 @@
         </p:nvSpPr>
         <p:spPr>
           <a:xfrm>
-            <a:off x="1792288" y="5367338"/>
-            <a:ext cx="5486400" cy="804862"/>
+            <a:off x="2389717" y="5367338"/>
+            <a:ext cx="7315200" cy="804862"/>
           </a:xfrm>
         </p:spPr>
         <p:txBody>
@@ -2463,7 +2479,7 @@
           <a:p>
             <a:fld id="{D9F81CDC-A390-438B-B956-EEB826B6DD00}" type="datetimeFigureOut">
               <a:rPr lang="zh-TW" altLang="en-US" smtClean="0"/>
-              <a:t>2017/10/27</a:t>
+              <a:t>2020/2/6</a:t>
             </a:fld>
             <a:endParaRPr lang="zh-TW" altLang="en-US"/>
           </a:p>
@@ -2558,8 +2574,8 @@
         </p:nvSpPr>
         <p:spPr>
           <a:xfrm>
-            <a:off x="457200" y="274638"/>
-            <a:ext cx="8229600" cy="1143000"/>
+            <a:off x="609600" y="274638"/>
+            <a:ext cx="10972800" cy="1143000"/>
           </a:xfrm>
           <a:prstGeom prst="rect">
             <a:avLst/>
@@ -2591,8 +2607,8 @@
         </p:nvSpPr>
         <p:spPr>
           <a:xfrm>
-            <a:off x="457200" y="1600200"/>
-            <a:ext cx="8229600" cy="4525963"/>
+            <a:off x="609600" y="1600201"/>
+            <a:ext cx="10972800" cy="4525963"/>
           </a:xfrm>
           <a:prstGeom prst="rect">
             <a:avLst/>
@@ -2653,8 +2669,8 @@
         </p:nvSpPr>
         <p:spPr>
           <a:xfrm>
-            <a:off x="457200" y="6356350"/>
-            <a:ext cx="2133600" cy="365125"/>
+            <a:off x="609600" y="6356351"/>
+            <a:ext cx="2844800" cy="365125"/>
           </a:xfrm>
           <a:prstGeom prst="rect">
             <a:avLst/>
@@ -2676,7 +2692,7 @@
           <a:p>
             <a:fld id="{D9F81CDC-A390-438B-B956-EEB826B6DD00}" type="datetimeFigureOut">
               <a:rPr lang="zh-TW" altLang="en-US" smtClean="0"/>
-              <a:t>2017/10/27</a:t>
+              <a:t>2020/2/6</a:t>
             </a:fld>
             <a:endParaRPr lang="zh-TW" altLang="en-US"/>
           </a:p>
@@ -2694,8 +2710,8 @@
         </p:nvSpPr>
         <p:spPr>
           <a:xfrm>
-            <a:off x="3124200" y="6356350"/>
-            <a:ext cx="2895600" cy="365125"/>
+            <a:off x="4165600" y="6356351"/>
+            <a:ext cx="3860800" cy="365125"/>
           </a:xfrm>
           <a:prstGeom prst="rect">
             <a:avLst/>
@@ -2731,8 +2747,8 @@
         </p:nvSpPr>
         <p:spPr>
           <a:xfrm>
-            <a:off x="6553200" y="6356350"/>
-            <a:ext cx="2133600" cy="365125"/>
+            <a:off x="8737600" y="6356351"/>
+            <a:ext cx="2844800" cy="365125"/>
           </a:xfrm>
           <a:prstGeom prst="rect">
             <a:avLst/>
@@ -3112,7 +3128,7 @@
               <a:t>天下</a:t>
             </a:r>
             <a:r>
-              <a:rPr lang="zh-TW" altLang="en-US" sz="5400" b="1" dirty="0" smtClean="0">
+              <a:rPr lang="zh-TW" altLang="en-US" sz="5400" b="1" dirty="0">
                 <a:solidFill>
                   <a:srgbClr val="000066"/>
                 </a:solidFill>
@@ -3132,7 +3148,7 @@
               <a:t>位</a:t>
             </a:r>
             <a:r>
-              <a:rPr lang="zh-TW" altLang="en-US" sz="5400" b="1" dirty="0" smtClean="0">
+              <a:rPr lang="zh-TW" altLang="en-US" sz="5400" b="1" dirty="0">
                 <a:solidFill>
                   <a:srgbClr val="000066"/>
                 </a:solidFill>
@@ -3140,68 +3156,6 @@
                 <a:ea typeface="微軟正黑體" pitchFamily="34" charset="-120"/>
               </a:rPr>
               <a:t>真神</a:t>
-            </a:r>
-            <a:endParaRPr lang="en-US" altLang="zh-TW" sz="5400" b="1" dirty="0" smtClean="0">
-              <a:solidFill>
-                <a:srgbClr val="000066"/>
-              </a:solidFill>
-              <a:latin typeface="微軟正黑體" pitchFamily="34" charset="-120"/>
-              <a:ea typeface="微軟正黑體" pitchFamily="34" charset="-120"/>
-            </a:endParaRPr>
-          </a:p>
-          <a:p>
-            <a:pPr algn="ctr">
-              <a:buNone/>
-            </a:pPr>
-            <a:r>
-              <a:rPr lang="zh-TW" altLang="en-US" sz="5400" b="1" dirty="0" smtClean="0">
-                <a:solidFill>
-                  <a:srgbClr val="000066"/>
-                </a:solidFill>
-                <a:latin typeface="微軟正黑體" pitchFamily="34" charset="-120"/>
-                <a:ea typeface="微軟正黑體" pitchFamily="34" charset="-120"/>
-              </a:rPr>
-              <a:t>祂</a:t>
-            </a:r>
-            <a:r>
-              <a:rPr lang="zh-TW" altLang="en-US" sz="5400" b="1" dirty="0">
-                <a:solidFill>
-                  <a:srgbClr val="000066"/>
-                </a:solidFill>
-                <a:latin typeface="微軟正黑體" pitchFamily="34" charset="-120"/>
-                <a:ea typeface="微軟正黑體" pitchFamily="34" charset="-120"/>
-              </a:rPr>
-              <a:t>愛</a:t>
-            </a:r>
-            <a:r>
-              <a:rPr lang="zh-TW" altLang="en-US" sz="5400" b="1" dirty="0" smtClean="0">
-                <a:solidFill>
-                  <a:srgbClr val="000066"/>
-                </a:solidFill>
-                <a:latin typeface="微軟正黑體" pitchFamily="34" charset="-120"/>
-                <a:ea typeface="微軟正黑體" pitchFamily="34" charset="-120"/>
-              </a:rPr>
-              <a:t>你  體恤</a:t>
-            </a:r>
-            <a:r>
-              <a:rPr lang="zh-TW" altLang="en-US" sz="5400" b="1" dirty="0">
-                <a:solidFill>
-                  <a:srgbClr val="000066"/>
-                </a:solidFill>
-                <a:latin typeface="微軟正黑體" pitchFamily="34" charset="-120"/>
-                <a:ea typeface="微軟正黑體" pitchFamily="34" charset="-120"/>
-              </a:rPr>
-              <a:t>你</a:t>
-            </a:r>
-            <a:r>
-              <a:rPr lang="zh-TW" altLang="en-US" sz="5400" b="1" dirty="0" smtClean="0">
-                <a:solidFill>
-                  <a:srgbClr val="000066"/>
-                </a:solidFill>
-                <a:latin typeface="微軟正黑體" pitchFamily="34" charset="-120"/>
-                <a:ea typeface="微軟正黑體" pitchFamily="34" charset="-120"/>
-              </a:rPr>
-              <a:t>軟弱</a:t>
             </a:r>
             <a:endParaRPr lang="en-US" altLang="zh-TW" sz="5400" b="1" dirty="0">
               <a:solidFill>
@@ -3216,56 +3170,56 @@
               <a:buNone/>
             </a:pPr>
             <a:r>
-              <a:rPr lang="zh-TW" altLang="en-US" sz="5400" b="1" dirty="0" smtClean="0">
-                <a:solidFill>
-                  <a:srgbClr val="000066"/>
-                </a:solidFill>
-                <a:latin typeface="微軟正黑體" pitchFamily="34" charset="-120"/>
-                <a:ea typeface="微軟正黑體" pitchFamily="34" charset="-120"/>
-              </a:rPr>
-              <a:t>名字</a:t>
-            </a:r>
-            <a:r>
-              <a:rPr lang="zh-TW" altLang="en-US" sz="5400" b="1" dirty="0">
-                <a:solidFill>
-                  <a:srgbClr val="000066"/>
-                </a:solidFill>
-                <a:latin typeface="微軟正黑體" pitchFamily="34" charset="-120"/>
-                <a:ea typeface="微軟正黑體" pitchFamily="34" charset="-120"/>
-              </a:rPr>
-              <a:t>叫</a:t>
-            </a:r>
-            <a:r>
-              <a:rPr lang="zh-TW" altLang="en-US" sz="5400" b="1" dirty="0" smtClean="0">
-                <a:solidFill>
-                  <a:srgbClr val="000066"/>
-                </a:solidFill>
-                <a:latin typeface="微軟正黑體" pitchFamily="34" charset="-120"/>
-                <a:ea typeface="微軟正黑體" pitchFamily="34" charset="-120"/>
-              </a:rPr>
-              <a:t>耶穌  是</a:t>
-            </a:r>
-            <a:r>
-              <a:rPr lang="zh-TW" altLang="en-US" sz="5400" b="1" dirty="0">
-                <a:solidFill>
-                  <a:srgbClr val="000066"/>
-                </a:solidFill>
-                <a:latin typeface="微軟正黑體" pitchFamily="34" charset="-120"/>
-                <a:ea typeface="微軟正黑體" pitchFamily="34" charset="-120"/>
-              </a:rPr>
-              <a:t>你好</a:t>
-            </a:r>
-            <a:r>
-              <a:rPr lang="zh-TW" altLang="en-US" sz="5400" b="1" dirty="0" smtClean="0">
-                <a:solidFill>
-                  <a:srgbClr val="000066"/>
-                </a:solidFill>
-                <a:latin typeface="微軟正黑體" pitchFamily="34" charset="-120"/>
-                <a:ea typeface="微軟正黑體" pitchFamily="34" charset="-120"/>
-              </a:rPr>
-              <a:t>牧人</a:t>
-            </a:r>
-            <a:endParaRPr lang="en-US" altLang="zh-TW" sz="5400" b="1" dirty="0" smtClean="0">
+              <a:rPr lang="zh-TW" altLang="en-US" sz="5400" b="1" dirty="0">
+                <a:solidFill>
+                  <a:srgbClr val="000066"/>
+                </a:solidFill>
+                <a:latin typeface="微軟正黑體" pitchFamily="34" charset="-120"/>
+                <a:ea typeface="微軟正黑體" pitchFamily="34" charset="-120"/>
+              </a:rPr>
+              <a:t>祂</a:t>
+            </a:r>
+            <a:r>
+              <a:rPr lang="zh-TW" altLang="en-US" sz="5400" b="1" dirty="0">
+                <a:solidFill>
+                  <a:srgbClr val="000066"/>
+                </a:solidFill>
+                <a:latin typeface="微軟正黑體" pitchFamily="34" charset="-120"/>
+                <a:ea typeface="微軟正黑體" pitchFamily="34" charset="-120"/>
+              </a:rPr>
+              <a:t>愛</a:t>
+            </a:r>
+            <a:r>
+              <a:rPr lang="zh-TW" altLang="en-US" sz="5400" b="1" dirty="0">
+                <a:solidFill>
+                  <a:srgbClr val="000066"/>
+                </a:solidFill>
+                <a:latin typeface="微軟正黑體" pitchFamily="34" charset="-120"/>
+                <a:ea typeface="微軟正黑體" pitchFamily="34" charset="-120"/>
+              </a:rPr>
+              <a:t>你  體恤</a:t>
+            </a:r>
+            <a:r>
+              <a:rPr lang="zh-TW" altLang="en-US" sz="5400" b="1" dirty="0">
+                <a:solidFill>
+                  <a:srgbClr val="000066"/>
+                </a:solidFill>
+                <a:latin typeface="微軟正黑體" pitchFamily="34" charset="-120"/>
+                <a:ea typeface="微軟正黑體" pitchFamily="34" charset="-120"/>
+              </a:rPr>
+              <a:t>你</a:t>
+            </a:r>
+            <a:r>
+              <a:rPr lang="zh-TW" altLang="en-US" sz="5400" b="1" dirty="0">
+                <a:solidFill>
+                  <a:srgbClr val="000066"/>
+                </a:solidFill>
+                <a:latin typeface="微軟正黑體" pitchFamily="34" charset="-120"/>
+                <a:ea typeface="微軟正黑體" pitchFamily="34" charset="-120"/>
+              </a:rPr>
+              <a:t>軟弱</a:t>
+            </a:r>
+            <a:endParaRPr lang="en-US" altLang="zh-TW" sz="5400" b="1" dirty="0">
               <a:solidFill>
                 <a:srgbClr val="000066"/>
               </a:solidFill>
@@ -3278,7 +3232,69 @@
               <a:buNone/>
             </a:pPr>
             <a:r>
-              <a:rPr lang="zh-TW" altLang="en-US" sz="5400" b="1" dirty="0" smtClean="0">
+              <a:rPr lang="zh-TW" altLang="en-US" sz="5400" b="1" dirty="0">
+                <a:solidFill>
+                  <a:srgbClr val="000066"/>
+                </a:solidFill>
+                <a:latin typeface="微軟正黑體" pitchFamily="34" charset="-120"/>
+                <a:ea typeface="微軟正黑體" pitchFamily="34" charset="-120"/>
+              </a:rPr>
+              <a:t>名字</a:t>
+            </a:r>
+            <a:r>
+              <a:rPr lang="zh-TW" altLang="en-US" sz="5400" b="1" dirty="0">
+                <a:solidFill>
+                  <a:srgbClr val="000066"/>
+                </a:solidFill>
+                <a:latin typeface="微軟正黑體" pitchFamily="34" charset="-120"/>
+                <a:ea typeface="微軟正黑體" pitchFamily="34" charset="-120"/>
+              </a:rPr>
+              <a:t>叫</a:t>
+            </a:r>
+            <a:r>
+              <a:rPr lang="zh-TW" altLang="en-US" sz="5400" b="1" dirty="0">
+                <a:solidFill>
+                  <a:srgbClr val="000066"/>
+                </a:solidFill>
+                <a:latin typeface="微軟正黑體" pitchFamily="34" charset="-120"/>
+                <a:ea typeface="微軟正黑體" pitchFamily="34" charset="-120"/>
+              </a:rPr>
+              <a:t>耶穌  是</a:t>
+            </a:r>
+            <a:r>
+              <a:rPr lang="zh-TW" altLang="en-US" sz="5400" b="1" dirty="0">
+                <a:solidFill>
+                  <a:srgbClr val="000066"/>
+                </a:solidFill>
+                <a:latin typeface="微軟正黑體" pitchFamily="34" charset="-120"/>
+                <a:ea typeface="微軟正黑體" pitchFamily="34" charset="-120"/>
+              </a:rPr>
+              <a:t>你好</a:t>
+            </a:r>
+            <a:r>
+              <a:rPr lang="zh-TW" altLang="en-US" sz="5400" b="1" dirty="0">
+                <a:solidFill>
+                  <a:srgbClr val="000066"/>
+                </a:solidFill>
+                <a:latin typeface="微軟正黑體" pitchFamily="34" charset="-120"/>
+                <a:ea typeface="微軟正黑體" pitchFamily="34" charset="-120"/>
+              </a:rPr>
+              <a:t>牧人</a:t>
+            </a:r>
+            <a:endParaRPr lang="en-US" altLang="zh-TW" sz="5400" b="1" dirty="0">
+              <a:solidFill>
+                <a:srgbClr val="000066"/>
+              </a:solidFill>
+              <a:latin typeface="微軟正黑體" pitchFamily="34" charset="-120"/>
+              <a:ea typeface="微軟正黑體" pitchFamily="34" charset="-120"/>
+            </a:endParaRPr>
+          </a:p>
+          <a:p>
+            <a:pPr algn="ctr">
+              <a:buNone/>
+            </a:pPr>
+            <a:r>
+              <a:rPr lang="zh-TW" altLang="en-US" sz="5400" b="1" dirty="0">
                 <a:solidFill>
                   <a:srgbClr val="000066"/>
                 </a:solidFill>
@@ -3391,7 +3407,7 @@
               <a:t>如遇</a:t>
             </a:r>
             <a:r>
-              <a:rPr lang="zh-TW" altLang="en-US" sz="5400" b="1" dirty="0" smtClean="0">
+              <a:rPr lang="zh-TW" altLang="en-US" sz="5400" b="1" dirty="0">
                 <a:solidFill>
                   <a:srgbClr val="000066"/>
                 </a:solidFill>
@@ -3411,7 +3427,7 @@
               <a:t>放低</a:t>
             </a:r>
             <a:r>
-              <a:rPr lang="zh-TW" altLang="en-US" sz="5400" b="1" dirty="0" smtClean="0">
+              <a:rPr lang="zh-TW" altLang="en-US" sz="5400" b="1" dirty="0">
                 <a:solidFill>
                   <a:srgbClr val="000066"/>
                 </a:solidFill>
@@ -3419,68 +3435,6 @@
                 <a:ea typeface="微軟正黑體" pitchFamily="34" charset="-120"/>
               </a:rPr>
               <a:t>憂愁</a:t>
-            </a:r>
-            <a:endParaRPr lang="en-US" altLang="zh-TW" sz="5400" b="1" dirty="0" smtClean="0">
-              <a:solidFill>
-                <a:srgbClr val="000066"/>
-              </a:solidFill>
-              <a:latin typeface="微軟正黑體" pitchFamily="34" charset="-120"/>
-              <a:ea typeface="微軟正黑體" pitchFamily="34" charset="-120"/>
-            </a:endParaRPr>
-          </a:p>
-          <a:p>
-            <a:pPr algn="ctr">
-              <a:buNone/>
-            </a:pPr>
-            <a:r>
-              <a:rPr lang="zh-TW" altLang="en-US" sz="5400" b="1" dirty="0" smtClean="0">
-                <a:solidFill>
-                  <a:srgbClr val="000066"/>
-                </a:solidFill>
-                <a:latin typeface="微軟正黑體" pitchFamily="34" charset="-120"/>
-                <a:ea typeface="微軟正黑體" pitchFamily="34" charset="-120"/>
-              </a:rPr>
-              <a:t>祂</a:t>
-            </a:r>
-            <a:r>
-              <a:rPr lang="zh-TW" altLang="en-US" sz="5400" b="1" dirty="0">
-                <a:solidFill>
-                  <a:srgbClr val="000066"/>
-                </a:solidFill>
-                <a:latin typeface="微軟正黑體" pitchFamily="34" charset="-120"/>
-                <a:ea typeface="微軟正黑體" pitchFamily="34" charset="-120"/>
-              </a:rPr>
-              <a:t>愛</a:t>
-            </a:r>
-            <a:r>
-              <a:rPr lang="zh-TW" altLang="en-US" sz="5400" b="1" dirty="0" smtClean="0">
-                <a:solidFill>
-                  <a:srgbClr val="000066"/>
-                </a:solidFill>
-                <a:latin typeface="微軟正黑體" pitchFamily="34" charset="-120"/>
-                <a:ea typeface="微軟正黑體" pitchFamily="34" charset="-120"/>
-              </a:rPr>
-              <a:t>你  使</a:t>
-            </a:r>
-            <a:r>
-              <a:rPr lang="zh-TW" altLang="en-US" sz="5400" b="1" dirty="0">
-                <a:solidFill>
-                  <a:srgbClr val="000066"/>
-                </a:solidFill>
-                <a:latin typeface="微軟正黑體" pitchFamily="34" charset="-120"/>
-                <a:ea typeface="微軟正黑體" pitchFamily="34" charset="-120"/>
-              </a:rPr>
-              <a:t>你能</a:t>
-            </a:r>
-            <a:r>
-              <a:rPr lang="zh-TW" altLang="en-US" sz="5400" b="1" dirty="0" smtClean="0">
-                <a:solidFill>
-                  <a:srgbClr val="000066"/>
-                </a:solidFill>
-                <a:latin typeface="微軟正黑體" pitchFamily="34" charset="-120"/>
-                <a:ea typeface="微軟正黑體" pitchFamily="34" charset="-120"/>
-              </a:rPr>
-              <a:t>痊癒</a:t>
             </a:r>
             <a:endParaRPr lang="en-US" altLang="zh-TW" sz="5400" b="1" dirty="0">
               <a:solidFill>
@@ -3495,56 +3449,56 @@
               <a:buNone/>
             </a:pPr>
             <a:r>
-              <a:rPr lang="zh-TW" altLang="en-US" sz="5400" b="1" dirty="0" smtClean="0">
-                <a:solidFill>
-                  <a:srgbClr val="000066"/>
-                </a:solidFill>
-                <a:latin typeface="微軟正黑體" pitchFamily="34" charset="-120"/>
-                <a:ea typeface="微軟正黑體" pitchFamily="34" charset="-120"/>
-              </a:rPr>
-              <a:t>來</a:t>
-            </a:r>
-            <a:r>
-              <a:rPr lang="zh-TW" altLang="en-US" sz="5400" b="1" dirty="0">
-                <a:solidFill>
-                  <a:srgbClr val="000066"/>
-                </a:solidFill>
-                <a:latin typeface="微軟正黑體" pitchFamily="34" charset="-120"/>
-                <a:ea typeface="微軟正黑體" pitchFamily="34" charset="-120"/>
-              </a:rPr>
-              <a:t>吧向前</a:t>
-            </a:r>
-            <a:r>
-              <a:rPr lang="zh-TW" altLang="en-US" sz="5400" b="1" dirty="0" smtClean="0">
-                <a:solidFill>
-                  <a:srgbClr val="000066"/>
-                </a:solidFill>
-                <a:latin typeface="微軟正黑體" pitchFamily="34" charset="-120"/>
-                <a:ea typeface="微軟正黑體" pitchFamily="34" charset="-120"/>
-              </a:rPr>
-              <a:t>走  神</a:t>
-            </a:r>
-            <a:r>
-              <a:rPr lang="zh-TW" altLang="en-US" sz="5400" b="1" dirty="0">
-                <a:solidFill>
-                  <a:srgbClr val="000066"/>
-                </a:solidFill>
-                <a:latin typeface="微軟正黑體" pitchFamily="34" charset="-120"/>
-                <a:ea typeface="微軟正黑體" pitchFamily="34" charset="-120"/>
-              </a:rPr>
-              <a:t>恩典多</a:t>
-            </a:r>
-            <a:r>
-              <a:rPr lang="zh-TW" altLang="en-US" sz="5400" b="1" dirty="0" smtClean="0">
-                <a:solidFill>
-                  <a:srgbClr val="000066"/>
-                </a:solidFill>
-                <a:latin typeface="微軟正黑體" pitchFamily="34" charset="-120"/>
-                <a:ea typeface="微軟正黑體" pitchFamily="34" charset="-120"/>
-              </a:rPr>
-              <a:t>深厚</a:t>
-            </a:r>
-            <a:endParaRPr lang="en-US" altLang="zh-TW" sz="5400" b="1" dirty="0" smtClean="0">
+              <a:rPr lang="zh-TW" altLang="en-US" sz="5400" b="1" dirty="0">
+                <a:solidFill>
+                  <a:srgbClr val="000066"/>
+                </a:solidFill>
+                <a:latin typeface="微軟正黑體" pitchFamily="34" charset="-120"/>
+                <a:ea typeface="微軟正黑體" pitchFamily="34" charset="-120"/>
+              </a:rPr>
+              <a:t>祂</a:t>
+            </a:r>
+            <a:r>
+              <a:rPr lang="zh-TW" altLang="en-US" sz="5400" b="1" dirty="0">
+                <a:solidFill>
+                  <a:srgbClr val="000066"/>
+                </a:solidFill>
+                <a:latin typeface="微軟正黑體" pitchFamily="34" charset="-120"/>
+                <a:ea typeface="微軟正黑體" pitchFamily="34" charset="-120"/>
+              </a:rPr>
+              <a:t>愛</a:t>
+            </a:r>
+            <a:r>
+              <a:rPr lang="zh-TW" altLang="en-US" sz="5400" b="1" dirty="0">
+                <a:solidFill>
+                  <a:srgbClr val="000066"/>
+                </a:solidFill>
+                <a:latin typeface="微軟正黑體" pitchFamily="34" charset="-120"/>
+                <a:ea typeface="微軟正黑體" pitchFamily="34" charset="-120"/>
+              </a:rPr>
+              <a:t>你  使</a:t>
+            </a:r>
+            <a:r>
+              <a:rPr lang="zh-TW" altLang="en-US" sz="5400" b="1" dirty="0">
+                <a:solidFill>
+                  <a:srgbClr val="000066"/>
+                </a:solidFill>
+                <a:latin typeface="微軟正黑體" pitchFamily="34" charset="-120"/>
+                <a:ea typeface="微軟正黑體" pitchFamily="34" charset="-120"/>
+              </a:rPr>
+              <a:t>你能</a:t>
+            </a:r>
+            <a:r>
+              <a:rPr lang="zh-TW" altLang="en-US" sz="5400" b="1" dirty="0">
+                <a:solidFill>
+                  <a:srgbClr val="000066"/>
+                </a:solidFill>
+                <a:latin typeface="微軟正黑體" pitchFamily="34" charset="-120"/>
+                <a:ea typeface="微軟正黑體" pitchFamily="34" charset="-120"/>
+              </a:rPr>
+              <a:t>痊癒</a:t>
+            </a:r>
+            <a:endParaRPr lang="en-US" altLang="zh-TW" sz="5400" b="1" dirty="0">
               <a:solidFill>
                 <a:srgbClr val="000066"/>
               </a:solidFill>
@@ -3557,7 +3511,69 @@
               <a:buNone/>
             </a:pPr>
             <a:r>
-              <a:rPr lang="zh-TW" altLang="en-US" sz="5400" b="1" dirty="0" smtClean="0">
+              <a:rPr lang="zh-TW" altLang="en-US" sz="5400" b="1" dirty="0">
+                <a:solidFill>
+                  <a:srgbClr val="000066"/>
+                </a:solidFill>
+                <a:latin typeface="微軟正黑體" pitchFamily="34" charset="-120"/>
+                <a:ea typeface="微軟正黑體" pitchFamily="34" charset="-120"/>
+              </a:rPr>
+              <a:t>來</a:t>
+            </a:r>
+            <a:r>
+              <a:rPr lang="zh-TW" altLang="en-US" sz="5400" b="1" dirty="0">
+                <a:solidFill>
+                  <a:srgbClr val="000066"/>
+                </a:solidFill>
+                <a:latin typeface="微軟正黑體" pitchFamily="34" charset="-120"/>
+                <a:ea typeface="微軟正黑體" pitchFamily="34" charset="-120"/>
+              </a:rPr>
+              <a:t>吧向前</a:t>
+            </a:r>
+            <a:r>
+              <a:rPr lang="zh-TW" altLang="en-US" sz="5400" b="1" dirty="0">
+                <a:solidFill>
+                  <a:srgbClr val="000066"/>
+                </a:solidFill>
+                <a:latin typeface="微軟正黑體" pitchFamily="34" charset="-120"/>
+                <a:ea typeface="微軟正黑體" pitchFamily="34" charset="-120"/>
+              </a:rPr>
+              <a:t>走  神</a:t>
+            </a:r>
+            <a:r>
+              <a:rPr lang="zh-TW" altLang="en-US" sz="5400" b="1" dirty="0">
+                <a:solidFill>
+                  <a:srgbClr val="000066"/>
+                </a:solidFill>
+                <a:latin typeface="微軟正黑體" pitchFamily="34" charset="-120"/>
+                <a:ea typeface="微軟正黑體" pitchFamily="34" charset="-120"/>
+              </a:rPr>
+              <a:t>恩典多</a:t>
+            </a:r>
+            <a:r>
+              <a:rPr lang="zh-TW" altLang="en-US" sz="5400" b="1" dirty="0">
+                <a:solidFill>
+                  <a:srgbClr val="000066"/>
+                </a:solidFill>
+                <a:latin typeface="微軟正黑體" pitchFamily="34" charset="-120"/>
+                <a:ea typeface="微軟正黑體" pitchFamily="34" charset="-120"/>
+              </a:rPr>
+              <a:t>深厚</a:t>
+            </a:r>
+            <a:endParaRPr lang="en-US" altLang="zh-TW" sz="5400" b="1" dirty="0">
+              <a:solidFill>
+                <a:srgbClr val="000066"/>
+              </a:solidFill>
+              <a:latin typeface="微軟正黑體" pitchFamily="34" charset="-120"/>
+              <a:ea typeface="微軟正黑體" pitchFamily="34" charset="-120"/>
+            </a:endParaRPr>
+          </a:p>
+          <a:p>
+            <a:pPr algn="ctr">
+              <a:buNone/>
+            </a:pPr>
+            <a:r>
+              <a:rPr lang="zh-TW" altLang="en-US" sz="5400" b="1" dirty="0">
                 <a:solidFill>
                   <a:srgbClr val="000066"/>
                 </a:solidFill>
@@ -3651,7 +3667,7 @@
         </p:nvSpPr>
         <p:spPr>
           <a:xfrm>
-            <a:off x="457200" y="1600200"/>
+            <a:off x="1981200" y="1600200"/>
             <a:ext cx="8229600" cy="5257800"/>
           </a:xfrm>
         </p:spPr>
@@ -3675,7 +3691,7 @@
               <a:t>進入</a:t>
             </a:r>
             <a:r>
-              <a:rPr lang="zh-TW" altLang="en-US" sz="5400" b="1" dirty="0" smtClean="0">
+              <a:rPr lang="zh-TW" altLang="en-US" sz="5400" b="1" dirty="0">
                 <a:solidFill>
                   <a:srgbClr val="000066"/>
                 </a:solidFill>
@@ -3683,48 +3699,6 @@
                 <a:ea typeface="微軟正黑體" pitchFamily="34" charset="-120"/>
               </a:rPr>
               <a:t>自由  喜樂  平安</a:t>
-            </a:r>
-            <a:endParaRPr lang="en-US" altLang="zh-TW" sz="5400" b="1" dirty="0" smtClean="0">
-              <a:solidFill>
-                <a:srgbClr val="000066"/>
-              </a:solidFill>
-              <a:latin typeface="微軟正黑體" pitchFamily="34" charset="-120"/>
-              <a:ea typeface="微軟正黑體" pitchFamily="34" charset="-120"/>
-            </a:endParaRPr>
-          </a:p>
-          <a:p>
-            <a:pPr algn="ctr">
-              <a:buNone/>
-            </a:pPr>
-            <a:r>
-              <a:rPr lang="zh-TW" altLang="en-US" sz="5400" b="1" dirty="0" smtClean="0">
-                <a:solidFill>
-                  <a:srgbClr val="000066"/>
-                </a:solidFill>
-                <a:latin typeface="微軟正黑體" pitchFamily="34" charset="-120"/>
-                <a:ea typeface="微軟正黑體" pitchFamily="34" charset="-120"/>
-              </a:rPr>
-              <a:t>奇妙</a:t>
-            </a:r>
-            <a:r>
-              <a:rPr lang="zh-TW" altLang="en-US" sz="5400" b="1" dirty="0">
-                <a:solidFill>
-                  <a:srgbClr val="000066"/>
-                </a:solidFill>
-                <a:latin typeface="微軟正黑體" pitchFamily="34" charset="-120"/>
-                <a:ea typeface="微軟正黑體" pitchFamily="34" charset="-120"/>
-              </a:rPr>
-              <a:t>的</a:t>
-            </a:r>
-            <a:r>
-              <a:rPr lang="zh-TW" altLang="en-US" sz="5400" b="1" dirty="0" smtClean="0">
-                <a:solidFill>
-                  <a:srgbClr val="000066"/>
-                </a:solidFill>
-                <a:latin typeface="微軟正黑體" pitchFamily="34" charset="-120"/>
-                <a:ea typeface="微軟正黑體" pitchFamily="34" charset="-120"/>
-              </a:rPr>
-              <a:t>恩典  一生足夠</a:t>
             </a:r>
             <a:endParaRPr lang="en-US" altLang="zh-TW" sz="5400" b="1" dirty="0">
               <a:solidFill>
@@ -3739,36 +3713,36 @@
               <a:buNone/>
             </a:pPr>
             <a:r>
-              <a:rPr lang="zh-TW" altLang="en-US" sz="5400" b="1" dirty="0" smtClean="0">
-                <a:solidFill>
-                  <a:srgbClr val="000066"/>
-                </a:solidFill>
-                <a:latin typeface="微軟正黑體" pitchFamily="34" charset="-120"/>
-                <a:ea typeface="微軟正黑體" pitchFamily="34" charset="-120"/>
-              </a:rPr>
-              <a:t>在</a:t>
-            </a:r>
-            <a:r>
-              <a:rPr lang="zh-TW" altLang="en-US" sz="5400" b="1" dirty="0">
-                <a:solidFill>
-                  <a:srgbClr val="000066"/>
-                </a:solidFill>
-                <a:latin typeface="微軟正黑體" pitchFamily="34" charset="-120"/>
-                <a:ea typeface="微軟正黑體" pitchFamily="34" charset="-120"/>
-              </a:rPr>
-              <a:t>雨中仍見</a:t>
-            </a:r>
-            <a:r>
-              <a:rPr lang="zh-TW" altLang="en-US" sz="5400" b="1" dirty="0" smtClean="0">
-                <a:solidFill>
-                  <a:srgbClr val="000066"/>
-                </a:solidFill>
-                <a:latin typeface="微軟正黑體" pitchFamily="34" charset="-120"/>
-                <a:ea typeface="微軟正黑體" pitchFamily="34" charset="-120"/>
-              </a:rPr>
-              <a:t>彩虹</a:t>
-            </a:r>
-            <a:endParaRPr lang="en-US" altLang="zh-TW" sz="5400" b="1" dirty="0" smtClean="0">
+              <a:rPr lang="zh-TW" altLang="en-US" sz="5400" b="1" dirty="0">
+                <a:solidFill>
+                  <a:srgbClr val="000066"/>
+                </a:solidFill>
+                <a:latin typeface="微軟正黑體" pitchFamily="34" charset="-120"/>
+                <a:ea typeface="微軟正黑體" pitchFamily="34" charset="-120"/>
+              </a:rPr>
+              <a:t>奇妙</a:t>
+            </a:r>
+            <a:r>
+              <a:rPr lang="zh-TW" altLang="en-US" sz="5400" b="1" dirty="0">
+                <a:solidFill>
+                  <a:srgbClr val="000066"/>
+                </a:solidFill>
+                <a:latin typeface="微軟正黑體" pitchFamily="34" charset="-120"/>
+                <a:ea typeface="微軟正黑體" pitchFamily="34" charset="-120"/>
+              </a:rPr>
+              <a:t>的</a:t>
+            </a:r>
+            <a:r>
+              <a:rPr lang="zh-TW" altLang="en-US" sz="5400" b="1" dirty="0">
+                <a:solidFill>
+                  <a:srgbClr val="000066"/>
+                </a:solidFill>
+                <a:latin typeface="微軟正黑體" pitchFamily="34" charset="-120"/>
+                <a:ea typeface="微軟正黑體" pitchFamily="34" charset="-120"/>
+              </a:rPr>
+              <a:t>恩典  一生足夠</a:t>
+            </a:r>
+            <a:endParaRPr lang="en-US" altLang="zh-TW" sz="5400" b="1" dirty="0">
               <a:solidFill>
                 <a:srgbClr val="000066"/>
               </a:solidFill>
@@ -3781,36 +3755,36 @@
               <a:buNone/>
             </a:pPr>
             <a:r>
-              <a:rPr lang="zh-TW" altLang="en-US" sz="5400" b="1" dirty="0" smtClean="0">
-                <a:solidFill>
-                  <a:srgbClr val="000066"/>
-                </a:solidFill>
-                <a:latin typeface="微軟正黑體" pitchFamily="34" charset="-120"/>
-                <a:ea typeface="微軟正黑體" pitchFamily="34" charset="-120"/>
-              </a:rPr>
-              <a:t>黑暗</a:t>
-            </a:r>
-            <a:r>
-              <a:rPr lang="zh-TW" altLang="en-US" sz="5400" b="1" dirty="0">
-                <a:solidFill>
-                  <a:srgbClr val="000066"/>
-                </a:solidFill>
-                <a:latin typeface="微軟正黑體" pitchFamily="34" charset="-120"/>
-                <a:ea typeface="微軟正黑體" pitchFamily="34" charset="-120"/>
-              </a:rPr>
-              <a:t>漸變</a:t>
-            </a:r>
-            <a:r>
-              <a:rPr lang="zh-TW" altLang="en-US" sz="5400" b="1" dirty="0" smtClean="0">
-                <a:solidFill>
-                  <a:srgbClr val="000066"/>
-                </a:solidFill>
-                <a:latin typeface="微軟正黑體" pitchFamily="34" charset="-120"/>
-                <a:ea typeface="微軟正黑體" pitchFamily="34" charset="-120"/>
-              </a:rPr>
-              <a:t>光明</a:t>
-            </a:r>
-            <a:endParaRPr lang="en-US" altLang="zh-TW" sz="5400" b="1" dirty="0" smtClean="0">
+              <a:rPr lang="zh-TW" altLang="en-US" sz="5400" b="1" dirty="0">
+                <a:solidFill>
+                  <a:srgbClr val="000066"/>
+                </a:solidFill>
+                <a:latin typeface="微軟正黑體" pitchFamily="34" charset="-120"/>
+                <a:ea typeface="微軟正黑體" pitchFamily="34" charset="-120"/>
+              </a:rPr>
+              <a:t>在</a:t>
+            </a:r>
+            <a:r>
+              <a:rPr lang="zh-TW" altLang="en-US" sz="5400" b="1" dirty="0">
+                <a:solidFill>
+                  <a:srgbClr val="000066"/>
+                </a:solidFill>
+                <a:latin typeface="微軟正黑體" pitchFamily="34" charset="-120"/>
+                <a:ea typeface="微軟正黑體" pitchFamily="34" charset="-120"/>
+              </a:rPr>
+              <a:t>雨中仍見</a:t>
+            </a:r>
+            <a:r>
+              <a:rPr lang="zh-TW" altLang="en-US" sz="5400" b="1" dirty="0">
+                <a:solidFill>
+                  <a:srgbClr val="000066"/>
+                </a:solidFill>
+                <a:latin typeface="微軟正黑體" pitchFamily="34" charset="-120"/>
+                <a:ea typeface="微軟正黑體" pitchFamily="34" charset="-120"/>
+              </a:rPr>
+              <a:t>彩虹</a:t>
+            </a:r>
+            <a:endParaRPr lang="en-US" altLang="zh-TW" sz="5400" b="1" dirty="0">
               <a:solidFill>
                 <a:srgbClr val="000066"/>
               </a:solidFill>
@@ -3823,7 +3797,49 @@
               <a:buNone/>
             </a:pPr>
             <a:r>
-              <a:rPr lang="zh-TW" altLang="en-US" sz="5400" b="1" dirty="0" smtClean="0">
+              <a:rPr lang="zh-TW" altLang="en-US" sz="5400" b="1" dirty="0">
+                <a:solidFill>
+                  <a:srgbClr val="000066"/>
+                </a:solidFill>
+                <a:latin typeface="微軟正黑體" pitchFamily="34" charset="-120"/>
+                <a:ea typeface="微軟正黑體" pitchFamily="34" charset="-120"/>
+              </a:rPr>
+              <a:t>黑暗</a:t>
+            </a:r>
+            <a:r>
+              <a:rPr lang="zh-TW" altLang="en-US" sz="5400" b="1" dirty="0">
+                <a:solidFill>
+                  <a:srgbClr val="000066"/>
+                </a:solidFill>
+                <a:latin typeface="微軟正黑體" pitchFamily="34" charset="-120"/>
+                <a:ea typeface="微軟正黑體" pitchFamily="34" charset="-120"/>
+              </a:rPr>
+              <a:t>漸變</a:t>
+            </a:r>
+            <a:r>
+              <a:rPr lang="zh-TW" altLang="en-US" sz="5400" b="1" dirty="0">
+                <a:solidFill>
+                  <a:srgbClr val="000066"/>
+                </a:solidFill>
+                <a:latin typeface="微軟正黑體" pitchFamily="34" charset="-120"/>
+                <a:ea typeface="微軟正黑體" pitchFamily="34" charset="-120"/>
+              </a:rPr>
+              <a:t>光明</a:t>
+            </a:r>
+            <a:endParaRPr lang="en-US" altLang="zh-TW" sz="5400" b="1" dirty="0">
+              <a:solidFill>
+                <a:srgbClr val="000066"/>
+              </a:solidFill>
+              <a:latin typeface="微軟正黑體" pitchFamily="34" charset="-120"/>
+              <a:ea typeface="微軟正黑體" pitchFamily="34" charset="-120"/>
+            </a:endParaRPr>
+          </a:p>
+          <a:p>
+            <a:pPr algn="ctr">
+              <a:buNone/>
+            </a:pPr>
+            <a:r>
+              <a:rPr lang="zh-TW" altLang="en-US" sz="5400" b="1" dirty="0">
                 <a:solidFill>
                   <a:srgbClr val="000066"/>
                 </a:solidFill>
